--- a/documents/presentations/Deliverable 1 Presentation.pptx
+++ b/documents/presentations/Deliverable 1 Presentation.pptx
@@ -4529,28 +4529,6 @@
     </cs:spPr>
   </cs:wall>
 </cs:chartStyle>
-</file>
-
-<file path=ppt/comments/modernComment_11D_57E1A58A.xml><?xml version="1.0" encoding="utf-8"?>
-<p188:cmLst xmlns:a="http://schemas.openxmlformats.org/drawingml/2006/main" xmlns:r="http://schemas.openxmlformats.org/officeDocument/2006/relationships" xmlns:p188="http://schemas.microsoft.com/office/powerpoint/2018/8/main">
-  <p188:cm id="{450666C1-A5F4-3B4D-8648-E308D89CB17B}" authorId="{0A532CB5-031E-B651-3190-9BF30918BEFB}" created="2023-03-02T00:23:59.559">
-    <ac:deMkLst xmlns:ac="http://schemas.microsoft.com/office/drawing/2013/main/command">
-      <pc:docMk xmlns:pc="http://schemas.microsoft.com/office/powerpoint/2013/main/command"/>
-      <pc:sldMk xmlns:pc="http://schemas.microsoft.com/office/powerpoint/2013/main/command" cId="1474405770" sldId="285"/>
-      <ac:picMk id="5" creationId="{A68D8947-CD77-757F-8425-6665344960D1}"/>
-    </ac:deMkLst>
-    <p188:txBody>
-      <a:bodyPr/>
-      <a:lstStyle/>
-      <a:p>
-        <a:r>
-          <a:rPr lang="en-US"/>
-          <a:t>Change image: typo</a:t>
-        </a:r>
-      </a:p>
-    </p188:txBody>
-  </p188:cm>
-</p188:cmLst>
 </file>
 
 <file path=ppt/diagrams/colors1.xml><?xml version="1.0" encoding="utf-8"?>
@@ -14077,9 +14055,6 @@
             <a:endParaRPr lang="en-US" dirty="0"/>
           </a:p>
           <a:p>
-            <a:pPr marL="0" indent="0">
-              <a:buNone/>
-            </a:pPr>
             <a:endParaRPr lang="en-US" dirty="0"/>
           </a:p>
           <a:p>
@@ -14119,6 +14094,147 @@
           </a:p>
         </p:txBody>
       </p:sp>
+      <p:pic>
+        <p:nvPicPr>
+          <p:cNvPr id="4104" name="Picture 8" descr="ionic&quot; Icon - Download for free – Iconduck">
+            <a:extLst>
+              <a:ext uri="{FF2B5EF4-FFF2-40B4-BE49-F238E27FC236}">
+                <a16:creationId xmlns:a16="http://schemas.microsoft.com/office/drawing/2014/main" id="{A2300DCF-4D9B-4722-9094-282755256C38}"/>
+              </a:ext>
+            </a:extLst>
+          </p:cNvPr>
+          <p:cNvPicPr>
+            <a:picLocks noChangeAspect="1" noChangeArrowheads="1"/>
+          </p:cNvPicPr>
+          <p:nvPr/>
+        </p:nvPicPr>
+        <p:blipFill>
+          <a:blip r:embed="rId2">
+            <a:extLst>
+              <a:ext uri="{28A0092B-C50C-407E-A947-70E740481C1C}">
+                <a14:useLocalDpi xmlns:a14="http://schemas.microsoft.com/office/drawing/2010/main" val="0"/>
+              </a:ext>
+            </a:extLst>
+          </a:blip>
+          <a:srcRect/>
+          <a:stretch>
+            <a:fillRect/>
+          </a:stretch>
+        </p:blipFill>
+        <p:spPr bwMode="auto">
+          <a:xfrm>
+            <a:off x="1002984" y="5325058"/>
+            <a:ext cx="997098" cy="997098"/>
+          </a:xfrm>
+          <a:prstGeom prst="rect">
+            <a:avLst/>
+          </a:prstGeom>
+          <a:noFill/>
+          <a:extLst>
+            <a:ext uri="{909E8E84-426E-40DD-AFC4-6F175D3DCCD1}">
+              <a14:hiddenFill xmlns:a14="http://schemas.microsoft.com/office/drawing/2010/main">
+                <a:solidFill>
+                  <a:srgbClr val="FFFFFF"/>
+                </a:solidFill>
+              </a14:hiddenFill>
+            </a:ext>
+          </a:extLst>
+        </p:spPr>
+      </p:pic>
+      <p:pic>
+        <p:nvPicPr>
+          <p:cNvPr id="4106" name="Picture 10" descr="React (JavaScript library) - Wikipedia">
+            <a:extLst>
+              <a:ext uri="{FF2B5EF4-FFF2-40B4-BE49-F238E27FC236}">
+                <a16:creationId xmlns:a16="http://schemas.microsoft.com/office/drawing/2014/main" id="{392ACE05-DF78-3FD0-1787-78BCE5A45D01}"/>
+              </a:ext>
+            </a:extLst>
+          </p:cNvPr>
+          <p:cNvPicPr>
+            <a:picLocks noChangeAspect="1" noChangeArrowheads="1"/>
+          </p:cNvPicPr>
+          <p:nvPr/>
+        </p:nvPicPr>
+        <p:blipFill>
+          <a:blip r:embed="rId3">
+            <a:extLst>
+              <a:ext uri="{28A0092B-C50C-407E-A947-70E740481C1C}">
+                <a14:useLocalDpi xmlns:a14="http://schemas.microsoft.com/office/drawing/2010/main" val="0"/>
+              </a:ext>
+            </a:extLst>
+          </a:blip>
+          <a:srcRect/>
+          <a:stretch>
+            <a:fillRect/>
+          </a:stretch>
+        </p:blipFill>
+        <p:spPr bwMode="auto">
+          <a:xfrm>
+            <a:off x="2071201" y="5325058"/>
+            <a:ext cx="1147124" cy="997098"/>
+          </a:xfrm>
+          <a:prstGeom prst="rect">
+            <a:avLst/>
+          </a:prstGeom>
+          <a:noFill/>
+          <a:extLst>
+            <a:ext uri="{909E8E84-426E-40DD-AFC4-6F175D3DCCD1}">
+              <a14:hiddenFill xmlns:a14="http://schemas.microsoft.com/office/drawing/2010/main">
+                <a:solidFill>
+                  <a:srgbClr val="FFFFFF"/>
+                </a:solidFill>
+              </a14:hiddenFill>
+            </a:ext>
+          </a:extLst>
+        </p:spPr>
+      </p:pic>
+      <p:pic>
+        <p:nvPicPr>
+          <p:cNvPr id="4108" name="Picture 12" descr="Python (programming language) - Wikipedia">
+            <a:extLst>
+              <a:ext uri="{FF2B5EF4-FFF2-40B4-BE49-F238E27FC236}">
+                <a16:creationId xmlns:a16="http://schemas.microsoft.com/office/drawing/2014/main" id="{B7092E22-BFEB-FEC6-D0B4-39250ADE4490}"/>
+              </a:ext>
+            </a:extLst>
+          </p:cNvPr>
+          <p:cNvPicPr>
+            <a:picLocks noChangeAspect="1" noChangeArrowheads="1"/>
+          </p:cNvPicPr>
+          <p:nvPr/>
+        </p:nvPicPr>
+        <p:blipFill>
+          <a:blip r:embed="rId4">
+            <a:extLst>
+              <a:ext uri="{28A0092B-C50C-407E-A947-70E740481C1C}">
+                <a14:useLocalDpi xmlns:a14="http://schemas.microsoft.com/office/drawing/2010/main" val="0"/>
+              </a:ext>
+            </a:extLst>
+          </a:blip>
+          <a:srcRect/>
+          <a:stretch>
+            <a:fillRect/>
+          </a:stretch>
+        </p:blipFill>
+        <p:spPr bwMode="auto">
+          <a:xfrm>
+            <a:off x="3289444" y="5325058"/>
+            <a:ext cx="997097" cy="1092709"/>
+          </a:xfrm>
+          <a:prstGeom prst="rect">
+            <a:avLst/>
+          </a:prstGeom>
+          <a:noFill/>
+          <a:extLst>
+            <a:ext uri="{909E8E84-426E-40DD-AFC4-6F175D3DCCD1}">
+              <a14:hiddenFill xmlns:a14="http://schemas.microsoft.com/office/drawing/2010/main">
+                <a:solidFill>
+                  <a:srgbClr val="FFFFFF"/>
+                </a:solidFill>
+              </a14:hiddenFill>
+            </a:ext>
+          </a:extLst>
+        </p:spPr>
+      </p:pic>
     </p:spTree>
     <p:extLst>
       <p:ext uri="{BB962C8B-B14F-4D97-AF65-F5344CB8AC3E}">
@@ -14200,7 +14316,76 @@
           <a:bodyPr/>
           <a:lstStyle/>
           <a:p>
-            <a:endParaRPr lang="en-US"/>
+            <a:r>
+              <a:rPr lang="en-US" dirty="0"/>
+              <a:t>Image Recognition </a:t>
+            </a:r>
+            <a:r>
+              <a:rPr lang="en-US" dirty="0">
+                <a:sym typeface="Wingdings" pitchFamily="2" charset="2"/>
+              </a:rPr>
+              <a:t> Convolution Neural Network</a:t>
+            </a:r>
+            <a:endParaRPr lang="en-US" dirty="0"/>
+          </a:p>
+          <a:p>
+            <a:r>
+              <a:rPr lang="en-US" dirty="0"/>
+              <a:t>Three separate ”stacks” of 2D layers:</a:t>
+            </a:r>
+          </a:p>
+          <a:p>
+            <a:pPr lvl="1"/>
+            <a:r>
+              <a:rPr lang="en-US" dirty="0"/>
+              <a:t>Convolution Layer with </a:t>
+            </a:r>
+            <a:r>
+              <a:rPr lang="en-US" dirty="0" err="1"/>
+              <a:t>ReLU</a:t>
+            </a:r>
+            <a:r>
+              <a:rPr lang="en-US" dirty="0"/>
+              <a:t> activation</a:t>
+            </a:r>
+          </a:p>
+          <a:p>
+            <a:pPr lvl="1"/>
+            <a:r>
+              <a:rPr lang="en-US" dirty="0"/>
+              <a:t>Max Pooling Layer</a:t>
+            </a:r>
+          </a:p>
+          <a:p>
+            <a:pPr lvl="1"/>
+            <a:r>
+              <a:rPr lang="en-US" dirty="0"/>
+              <a:t>Drop Out Layer</a:t>
+            </a:r>
+          </a:p>
+          <a:p>
+            <a:r>
+              <a:rPr lang="en-US" dirty="0"/>
+              <a:t>Flatten Layer</a:t>
+            </a:r>
+          </a:p>
+          <a:p>
+            <a:r>
+              <a:rPr lang="en-US" dirty="0"/>
+              <a:t>Dense Layer</a:t>
+            </a:r>
+          </a:p>
+          <a:p>
+            <a:r>
+              <a:rPr lang="en-US" dirty="0"/>
+              <a:t>**ADD IMAGE HERE TO EXPLAIN**</a:t>
+            </a:r>
+          </a:p>
+          <a:p>
+            <a:endParaRPr lang="en-US" dirty="0"/>
+          </a:p>
+          <a:p>
+            <a:endParaRPr lang="en-US" dirty="0"/>
           </a:p>
         </p:txBody>
       </p:sp>
@@ -14266,10 +14451,10 @@
       </p:sp>
       <p:pic>
         <p:nvPicPr>
-          <p:cNvPr id="5" name="Content Placeholder 4" descr="Diagram&#10;&#10;Description automatically generated">
+          <p:cNvPr id="13" name="Content Placeholder 12" descr="Diagram&#10;&#10;Description automatically generated">
             <a:extLst>
               <a:ext uri="{FF2B5EF4-FFF2-40B4-BE49-F238E27FC236}">
-                <a16:creationId xmlns:a16="http://schemas.microsoft.com/office/drawing/2014/main" id="{A68D8947-CD77-757F-8425-6665344960D1}"/>
+                <a16:creationId xmlns:a16="http://schemas.microsoft.com/office/drawing/2014/main" id="{34DC9EA8-0F54-C1D4-A3EB-12645154D508}"/>
               </a:ext>
             </a:extLst>
           </p:cNvPr>
@@ -14281,7 +14466,7 @@
           </p:nvPr>
         </p:nvPicPr>
         <p:blipFill>
-          <a:blip r:embed="rId3"/>
+          <a:blip r:embed="rId2"/>
           <a:stretch>
             <a:fillRect/>
           </a:stretch>
@@ -14303,11 +14488,6 @@
   <p:clrMapOvr>
     <a:masterClrMapping/>
   </p:clrMapOvr>
-  <p:extLst>
-    <p:ext uri="{6950BFC3-D8DA-4A85-94F7-54DA5524770B}">
-      <p188:commentRel xmlns:p188="http://schemas.microsoft.com/office/powerpoint/2018/8/main" r:id="rId2"/>
-    </p:ext>
-  </p:extLst>
 </p:sld>
 </file>
 
@@ -14360,10 +14540,10 @@
       </p:sp>
       <p:pic>
         <p:nvPicPr>
-          <p:cNvPr id="5" name="Content Placeholder 4" descr="Chart, box and whisker chart&#10;&#10;Description automatically generated">
+          <p:cNvPr id="9" name="Content Placeholder 8" descr="Chart, box and whisker chart&#10;&#10;Description automatically generated">
             <a:extLst>
               <a:ext uri="{FF2B5EF4-FFF2-40B4-BE49-F238E27FC236}">
-                <a16:creationId xmlns:a16="http://schemas.microsoft.com/office/drawing/2014/main" id="{FF3765E1-3647-09AD-C0C0-F149060BAD39}"/>
+                <a16:creationId xmlns:a16="http://schemas.microsoft.com/office/drawing/2014/main" id="{0A41E5AC-66AD-4521-7B18-3A030D5C7243}"/>
               </a:ext>
             </a:extLst>
           </p:cNvPr>
@@ -14382,8 +14562,8 @@
         </p:blipFill>
         <p:spPr>
           <a:xfrm>
-            <a:off x="931863" y="2231833"/>
-            <a:ext cx="10328275" cy="3242059"/>
+            <a:off x="931863" y="2232741"/>
+            <a:ext cx="10328275" cy="3240243"/>
           </a:xfrm>
         </p:spPr>
       </p:pic>
@@ -17452,7 +17632,7 @@
           <a:p>
             <a:r>
               <a:rPr lang="en-US" dirty="0"/>
-              <a:t>Sprint 1 Backlog</a:t>
+              <a:t>Catalyst 1 Backlog</a:t>
             </a:r>
           </a:p>
         </p:txBody>
@@ -20616,7 +20796,7 @@
           <a:p>
             <a:r>
               <a:rPr lang="en-US" dirty="0"/>
-              <a:t>For Sprint 2 Backlog</a:t>
+              <a:t>Catalyst 2 Backlog</a:t>
             </a:r>
           </a:p>
         </p:txBody>
